--- a/Session2/ppt/[TA2-3] Web Crawling.pptx
+++ b/Session2/ppt/[TA2-3] Web Crawling.pptx
@@ -146,7 +146,7 @@
   </p:defaultTextStyle>
   <p:extLst>
     <p:ext uri="{EFAFB233-063F-42B5-8137-9DF3F51BA10A}">
-      <p15:sldGuideLst xmlns:p15="http://schemas.microsoft.com/office/powerpoint/2012/main" xmlns="">
+      <p15:sldGuideLst xmlns:p15="http://schemas.microsoft.com/office/powerpoint/2012/main">
         <p15:guide id="1" orient="horz" pos="2160">
           <p15:clr>
             <a:srgbClr val="A4A3A4"/>
@@ -245,7 +245,7 @@
           <a:p>
             <a:fld id="{7A6B77AA-7177-4D50-AB49-C260886B6169}" type="datetimeFigureOut">
               <a:rPr lang="ko-KR" altLang="en-US" smtClean="0"/>
-              <a:t>2017-07-11</a:t>
+              <a:t>2017-09-25</a:t>
             </a:fld>
             <a:endParaRPr lang="ko-KR" altLang="en-US"/>
           </a:p>
@@ -778,7 +778,7 @@
           <a:p>
             <a:fld id="{1179C0B5-9E42-4E82-BD73-9C37117B84AF}" type="datetimeFigureOut">
               <a:rPr lang="ko-KR" altLang="en-US" smtClean="0"/>
-              <a:t>2017-07-11</a:t>
+              <a:t>2017-09-25</a:t>
             </a:fld>
             <a:endParaRPr lang="ko-KR" altLang="en-US"/>
           </a:p>
@@ -948,7 +948,7 @@
           <a:p>
             <a:fld id="{1179C0B5-9E42-4E82-BD73-9C37117B84AF}" type="datetimeFigureOut">
               <a:rPr lang="ko-KR" altLang="en-US" smtClean="0"/>
-              <a:t>2017-07-11</a:t>
+              <a:t>2017-09-25</a:t>
             </a:fld>
             <a:endParaRPr lang="ko-KR" altLang="en-US"/>
           </a:p>
@@ -1128,7 +1128,7 @@
           <a:p>
             <a:fld id="{1179C0B5-9E42-4E82-BD73-9C37117B84AF}" type="datetimeFigureOut">
               <a:rPr lang="ko-KR" altLang="en-US" smtClean="0"/>
-              <a:t>2017-07-11</a:t>
+              <a:t>2017-09-25</a:t>
             </a:fld>
             <a:endParaRPr lang="ko-KR" altLang="en-US"/>
           </a:p>
@@ -1298,7 +1298,7 @@
           <a:p>
             <a:fld id="{1179C0B5-9E42-4E82-BD73-9C37117B84AF}" type="datetimeFigureOut">
               <a:rPr lang="ko-KR" altLang="en-US" smtClean="0"/>
-              <a:t>2017-07-11</a:t>
+              <a:t>2017-09-25</a:t>
             </a:fld>
             <a:endParaRPr lang="ko-KR" altLang="en-US"/>
           </a:p>
@@ -1544,7 +1544,7 @@
           <a:p>
             <a:fld id="{1179C0B5-9E42-4E82-BD73-9C37117B84AF}" type="datetimeFigureOut">
               <a:rPr lang="ko-KR" altLang="en-US" smtClean="0"/>
-              <a:t>2017-07-11</a:t>
+              <a:t>2017-09-25</a:t>
             </a:fld>
             <a:endParaRPr lang="ko-KR" altLang="en-US"/>
           </a:p>
@@ -1832,7 +1832,7 @@
           <a:p>
             <a:fld id="{1179C0B5-9E42-4E82-BD73-9C37117B84AF}" type="datetimeFigureOut">
               <a:rPr lang="ko-KR" altLang="en-US" smtClean="0"/>
-              <a:t>2017-07-11</a:t>
+              <a:t>2017-09-25</a:t>
             </a:fld>
             <a:endParaRPr lang="ko-KR" altLang="en-US"/>
           </a:p>
@@ -2254,7 +2254,7 @@
           <a:p>
             <a:fld id="{1179C0B5-9E42-4E82-BD73-9C37117B84AF}" type="datetimeFigureOut">
               <a:rPr lang="ko-KR" altLang="en-US" smtClean="0"/>
-              <a:t>2017-07-11</a:t>
+              <a:t>2017-09-25</a:t>
             </a:fld>
             <a:endParaRPr lang="ko-KR" altLang="en-US"/>
           </a:p>
@@ -2372,7 +2372,7 @@
           <a:p>
             <a:fld id="{1179C0B5-9E42-4E82-BD73-9C37117B84AF}" type="datetimeFigureOut">
               <a:rPr lang="ko-KR" altLang="en-US" smtClean="0"/>
-              <a:t>2017-07-11</a:t>
+              <a:t>2017-09-25</a:t>
             </a:fld>
             <a:endParaRPr lang="ko-KR" altLang="en-US"/>
           </a:p>
@@ -2467,7 +2467,7 @@
           <a:p>
             <a:fld id="{1179C0B5-9E42-4E82-BD73-9C37117B84AF}" type="datetimeFigureOut">
               <a:rPr lang="ko-KR" altLang="en-US" smtClean="0"/>
-              <a:t>2017-07-11</a:t>
+              <a:t>2017-09-25</a:t>
             </a:fld>
             <a:endParaRPr lang="ko-KR" altLang="en-US"/>
           </a:p>
@@ -2744,7 +2744,7 @@
           <a:p>
             <a:fld id="{1179C0B5-9E42-4E82-BD73-9C37117B84AF}" type="datetimeFigureOut">
               <a:rPr lang="ko-KR" altLang="en-US" smtClean="0"/>
-              <a:t>2017-07-11</a:t>
+              <a:t>2017-09-25</a:t>
             </a:fld>
             <a:endParaRPr lang="ko-KR" altLang="en-US"/>
           </a:p>
@@ -2997,7 +2997,7 @@
           <a:p>
             <a:fld id="{1179C0B5-9E42-4E82-BD73-9C37117B84AF}" type="datetimeFigureOut">
               <a:rPr lang="ko-KR" altLang="en-US" smtClean="0"/>
-              <a:t>2017-07-11</a:t>
+              <a:t>2017-09-25</a:t>
             </a:fld>
             <a:endParaRPr lang="ko-KR" altLang="en-US"/>
           </a:p>
@@ -3210,7 +3210,7 @@
           <a:p>
             <a:fld id="{1179C0B5-9E42-4E82-BD73-9C37117B84AF}" type="datetimeFigureOut">
               <a:rPr lang="ko-KR" altLang="en-US" smtClean="0"/>
-              <a:t>2017-07-11</a:t>
+              <a:t>2017-09-25</a:t>
             </a:fld>
             <a:endParaRPr lang="ko-KR" altLang="en-US"/>
           </a:p>
@@ -3773,76 +3773,6 @@
       </p:sp>
       <p:sp>
         <p:nvSpPr>
-          <p:cNvPr id="6" name="TextBox 5"/>
-          <p:cNvSpPr txBox="1"/>
-          <p:nvPr/>
-        </p:nvSpPr>
-        <p:spPr>
-          <a:xfrm>
-            <a:off x="854185" y="3510300"/>
-            <a:ext cx="1402948" cy="369332"/>
-          </a:xfrm>
-          <a:prstGeom prst="rect">
-            <a:avLst/>
-          </a:prstGeom>
-          <a:noFill/>
-        </p:spPr>
-        <p:txBody>
-          <a:bodyPr wrap="none" rtlCol="0">
-            <a:spAutoFit/>
-          </a:bodyPr>
-          <a:lstStyle/>
-          <a:p>
-            <a:r>
-              <a:rPr lang="ko-KR" altLang="en-US" dirty="0" smtClean="0">
-                <a:gradFill>
-                  <a:gsLst>
-                    <a:gs pos="0">
-                      <a:schemeClr val="tx1">
-                        <a:lumMod val="65000"/>
-                        <a:lumOff val="35000"/>
-                      </a:schemeClr>
-                    </a:gs>
-                    <a:gs pos="100000">
-                      <a:schemeClr val="tx1">
-                        <a:lumMod val="65000"/>
-                        <a:lumOff val="35000"/>
-                      </a:schemeClr>
-                    </a:gs>
-                  </a:gsLst>
-                  <a:lin ang="5400000" scaled="0"/>
-                </a:gradFill>
-                <a:latin typeface="Arial" pitchFamily="34" charset="0"/>
-                <a:cs typeface="Arial" pitchFamily="34" charset="0"/>
-              </a:rPr>
-              <a:t>박진수 교수</a:t>
-            </a:r>
-            <a:endParaRPr lang="ko-KR" altLang="en-US" dirty="0">
-              <a:gradFill>
-                <a:gsLst>
-                  <a:gs pos="0">
-                    <a:schemeClr val="tx1">
-                      <a:lumMod val="65000"/>
-                      <a:lumOff val="35000"/>
-                    </a:schemeClr>
-                  </a:gs>
-                  <a:gs pos="100000">
-                    <a:schemeClr val="tx1">
-                      <a:lumMod val="65000"/>
-                      <a:lumOff val="35000"/>
-                    </a:schemeClr>
-                  </a:gs>
-                </a:gsLst>
-                <a:lin ang="5400000" scaled="0"/>
-              </a:gradFill>
-              <a:latin typeface="Arial" pitchFamily="34" charset="0"/>
-              <a:cs typeface="Arial" pitchFamily="34" charset="0"/>
-            </a:endParaRPr>
-          </a:p>
-        </p:txBody>
-      </p:sp>
-      <p:sp>
-        <p:nvSpPr>
           <p:cNvPr id="7" name="TextBox 6"/>
           <p:cNvSpPr txBox="1"/>
           <p:nvPr/>
@@ -17233,25 +17163,7 @@
                 <a:latin typeface="Arial" pitchFamily="34" charset="0"/>
                 <a:cs typeface="Arial" pitchFamily="34" charset="0"/>
               </a:rPr>
-              <a:t>2-3-1-1</a:t>
-            </a:r>
-            <a:r>
-              <a:rPr lang="en-US" altLang="ko-KR" sz="2400" b="1" dirty="0" smtClean="0">
-                <a:gradFill>
-                  <a:gsLst>
-                    <a:gs pos="0">
-                      <a:srgbClr val="339966"/>
-                    </a:gs>
-                    <a:gs pos="100000">
-                      <a:srgbClr val="339966"/>
-                    </a:gs>
-                  </a:gsLst>
-                  <a:lin ang="5400000" scaled="0"/>
-                </a:gradFill>
-                <a:latin typeface="Arial" pitchFamily="34" charset="0"/>
-                <a:cs typeface="Arial" pitchFamily="34" charset="0"/>
-              </a:rPr>
-              <a:t>. </a:t>
+              <a:t>2-3-1-1. </a:t>
             </a:r>
             <a:r>
               <a:rPr lang="ko-KR" altLang="en-US" sz="2400" b="1" dirty="0" smtClean="0">
